--- a/FLUXWEB.pptx
+++ b/FLUXWEB.pptx
@@ -5,17 +5,18 @@
     <p:sldMasterId id="2147483648" r:id="rId1"/>
   </p:sldMasterIdLst>
   <p:notesMasterIdLst>
-    <p:notesMasterId r:id="rId7"/>
+    <p:notesMasterId r:id="rId8"/>
   </p:notesMasterIdLst>
   <p:handoutMasterIdLst>
-    <p:handoutMasterId r:id="rId8"/>
+    <p:handoutMasterId r:id="rId9"/>
   </p:handoutMasterIdLst>
   <p:sldIdLst>
     <p:sldId id="282" r:id="rId2"/>
-    <p:sldId id="283" r:id="rId3"/>
-    <p:sldId id="284" r:id="rId4"/>
-    <p:sldId id="285" r:id="rId5"/>
-    <p:sldId id="286" r:id="rId6"/>
+    <p:sldId id="287" r:id="rId3"/>
+    <p:sldId id="290" r:id="rId4"/>
+    <p:sldId id="283" r:id="rId5"/>
+    <p:sldId id="289" r:id="rId6"/>
+    <p:sldId id="285" r:id="rId7"/>
   </p:sldIdLst>
   <p:sldSz cx="12192000" cy="6858000"/>
   <p:notesSz cx="6858000" cy="9144000"/>
@@ -219,7 +220,7 @@
           <a:p>
             <a:fld id="{EF1077DB-935E-4A0A-947A-D283B9F9F452}" type="datetimeFigureOut">
               <a:rPr lang="en-ZA" smtClean="0"/>
-              <a:t>2019/01/22</a:t>
+              <a:t>2019/02/07</a:t>
             </a:fld>
             <a:endParaRPr lang="en-ZA" dirty="0"/>
           </a:p>
@@ -396,7 +397,7 @@
           <a:p>
             <a:fld id="{2D9EC30E-1A71-4188-9BE7-E2A64929A436}" type="datetimeFigureOut">
               <a:rPr lang="en-ZA" smtClean="0"/>
-              <a:t>2019/01/22</a:t>
+              <a:t>2019/02/07</a:t>
             </a:fld>
             <a:endParaRPr lang="en-ZA" dirty="0"/>
           </a:p>
@@ -662,6 +663,125 @@
     </a:lvl9pPr>
   </p:notesStyle>
 </p:notesMaster>
+</file>
+
+<file path=ppt/notesSlides/notesSlide1.xml><?xml version="1.0" encoding="utf-8"?>
+<p:notes xmlns:a="http://schemas.openxmlformats.org/drawingml/2006/main" xmlns:r="http://schemas.openxmlformats.org/officeDocument/2006/relationships" xmlns:p="http://schemas.openxmlformats.org/presentationml/2006/main">
+  <p:cSld>
+    <p:spTree>
+      <p:nvGrpSpPr>
+        <p:cNvPr id="1" name=""/>
+        <p:cNvGrpSpPr/>
+        <p:nvPr/>
+      </p:nvGrpSpPr>
+      <p:grpSpPr>
+        <a:xfrm>
+          <a:off x="0" y="0"/>
+          <a:ext cx="0" cy="0"/>
+          <a:chOff x="0" y="0"/>
+          <a:chExt cx="0" cy="0"/>
+        </a:xfrm>
+      </p:grpSpPr>
+      <p:sp>
+        <p:nvSpPr>
+          <p:cNvPr id="2" name="Slide Image Placeholder 1"/>
+          <p:cNvSpPr>
+            <a:spLocks noGrp="1" noRot="1" noChangeAspect="1"/>
+          </p:cNvSpPr>
+          <p:nvPr>
+            <p:ph type="sldImg"/>
+          </p:nvPr>
+        </p:nvSpPr>
+        <p:spPr/>
+      </p:sp>
+      <p:sp>
+        <p:nvSpPr>
+          <p:cNvPr id="3" name="Notes Placeholder 2"/>
+          <p:cNvSpPr>
+            <a:spLocks noGrp="1"/>
+          </p:cNvSpPr>
+          <p:nvPr>
+            <p:ph type="body" idx="1"/>
+          </p:nvPr>
+        </p:nvSpPr>
+        <p:spPr/>
+        <p:txBody>
+          <a:bodyPr/>
+          <a:lstStyle/>
+          <a:p>
+            <a:pPr marL="285750" indent="-285750"/>
+            <a:r>
+              <a:rPr lang="en-US" sz="2400" dirty="0"/>
+              <a:t>Underlying model </a:t>
+            </a:r>
+          </a:p>
+          <a:p>
+            <a:pPr marL="561975" lvl="1" indent="-285750"/>
+            <a:r>
+              <a:rPr lang="en-US" sz="2200" dirty="0"/>
+              <a:t>Assumes a steady state </a:t>
+            </a:r>
+          </a:p>
+          <a:p>
+            <a:pPr marL="561975" lvl="1" indent="-285750"/>
+            <a:r>
+              <a:rPr lang="en-US" sz="2200" dirty="0"/>
+              <a:t>Sum ingoing fluxes</a:t>
+            </a:r>
+          </a:p>
+          <a:p>
+            <a:pPr marL="828675" lvl="2" indent="-285750"/>
+            <a:r>
+              <a:rPr lang="en-US" sz="2000" dirty="0"/>
+              <a:t>individual fluxes for each pair-wise predator-prey interaction are calculated </a:t>
+            </a:r>
+          </a:p>
+          <a:p>
+            <a:pPr marL="561975" lvl="1" indent="-285750"/>
+            <a:r>
+              <a:rPr lang="en-US" sz="2200" dirty="0"/>
+              <a:t>Assess patterning of fluxes in a ‘Jacobian’ matrix </a:t>
+            </a:r>
+          </a:p>
+          <a:p>
+            <a:endParaRPr lang="en-US" dirty="0"/>
+          </a:p>
+        </p:txBody>
+      </p:sp>
+      <p:sp>
+        <p:nvSpPr>
+          <p:cNvPr id="4" name="Slide Number Placeholder 3"/>
+          <p:cNvSpPr>
+            <a:spLocks noGrp="1"/>
+          </p:cNvSpPr>
+          <p:nvPr>
+            <p:ph type="sldNum" sz="quarter" idx="5"/>
+          </p:nvPr>
+        </p:nvSpPr>
+        <p:spPr/>
+        <p:txBody>
+          <a:bodyPr/>
+          <a:lstStyle/>
+          <a:p>
+            <a:fld id="{8530193B-564F-4854-8A52-728F3FB19C85}" type="slidenum">
+              <a:rPr lang="en-ZA" smtClean="0"/>
+              <a:t>3</a:t>
+            </a:fld>
+            <a:endParaRPr lang="en-ZA" dirty="0"/>
+          </a:p>
+        </p:txBody>
+      </p:sp>
+    </p:spTree>
+    <p:extLst>
+      <p:ext uri="{BB962C8B-B14F-4D97-AF65-F5344CB8AC3E}">
+        <p14:creationId xmlns:p14="http://schemas.microsoft.com/office/powerpoint/2010/main" val="1838324669"/>
+      </p:ext>
+    </p:extLst>
+  </p:cSld>
+  <p:clrMapOvr>
+    <a:masterClrMapping/>
+  </p:clrMapOvr>
+</p:notes>
 </file>
 
 <file path=ppt/slideLayouts/slideLayout1.xml><?xml version="1.0" encoding="utf-8"?>
@@ -8037,6 +8157,14 @@
 <file path=ppt/slides/slide2.xml><?xml version="1.0" encoding="utf-8"?>
 <p:sld xmlns:a="http://schemas.openxmlformats.org/drawingml/2006/main" xmlns:r="http://schemas.openxmlformats.org/officeDocument/2006/relationships" xmlns:p="http://schemas.openxmlformats.org/presentationml/2006/main">
   <p:cSld>
+    <p:bg>
+      <p:bgPr>
+        <a:solidFill>
+          <a:schemeClr val="bg1"/>
+        </a:solidFill>
+        <a:effectLst/>
+      </p:bgPr>
+    </p:bg>
     <p:spTree>
       <p:nvGrpSpPr>
         <p:cNvPr id="1" name=""/>
@@ -8053,145 +8181,217 @@
       </p:grpSpPr>
       <p:sp>
         <p:nvSpPr>
-          <p:cNvPr id="8" name="Title 7">
-            <a:extLst>
-              <a:ext uri="{FF2B5EF4-FFF2-40B4-BE49-F238E27FC236}">
-                <a16:creationId xmlns:a16="http://schemas.microsoft.com/office/drawing/2014/main" id="{9CDF873C-D91B-46D4-A311-AD41D968C4AF}"/>
-              </a:ext>
-            </a:extLst>
-          </p:cNvPr>
-          <p:cNvSpPr>
-            <a:spLocks noGrp="1"/>
-          </p:cNvSpPr>
-          <p:nvPr>
-            <p:ph type="title"/>
-          </p:nvPr>
-        </p:nvSpPr>
-        <p:spPr/>
-        <p:txBody>
-          <a:bodyPr/>
+          <p:cNvPr id="14" name="Rectangle 9">
+            <a:extLst>
+              <a:ext uri="{FF2B5EF4-FFF2-40B4-BE49-F238E27FC236}">
+                <a16:creationId xmlns:a16="http://schemas.microsoft.com/office/drawing/2014/main" id="{01D0AF59-99C3-4251-AB9A-C966C6AD4400}"/>
+              </a:ext>
+              <a:ext uri="{C183D7F6-B498-43B3-948B-1728B52AA6E4}">
+                <adec:decorative xmlns:adec="http://schemas.microsoft.com/office/drawing/2017/decorative" val="1"/>
+              </a:ext>
+            </a:extLst>
+          </p:cNvPr>
+          <p:cNvSpPr>
+            <a:spLocks noGrp="1" noRot="1" noChangeAspect="1" noMove="1" noResize="1" noEditPoints="1" noAdjustHandles="1" noChangeArrowheads="1" noChangeShapeType="1" noTextEdit="1"/>
+          </p:cNvSpPr>
+          <p:nvPr>
+            <p:extLst>
+              <p:ext uri="{386F3935-93C4-4BCD-93E2-E3B085C9AB24}">
+                <p16:designElem xmlns:p16="http://schemas.microsoft.com/office/powerpoint/2015/main" val="1"/>
+              </p:ext>
+            </p:extLst>
+          </p:nvPr>
+        </p:nvSpPr>
+        <p:spPr>
+          <a:xfrm>
+            <a:off x="0" y="0"/>
+            <a:ext cx="12192000" cy="6858000"/>
+          </a:xfrm>
+          <a:prstGeom prst="rect">
+            <a:avLst/>
+          </a:prstGeom>
+          <a:solidFill>
+            <a:schemeClr val="bg2"/>
+          </a:solidFill>
+          <a:ln>
+            <a:noFill/>
+          </a:ln>
+        </p:spPr>
+        <p:style>
+          <a:lnRef idx="2">
+            <a:schemeClr val="accent1">
+              <a:shade val="50000"/>
+            </a:schemeClr>
+          </a:lnRef>
+          <a:fillRef idx="1">
+            <a:schemeClr val="accent1"/>
+          </a:fillRef>
+          <a:effectRef idx="0">
+            <a:schemeClr val="accent1"/>
+          </a:effectRef>
+          <a:fontRef idx="minor">
+            <a:schemeClr val="lt1"/>
+          </a:fontRef>
+        </p:style>
+        <p:txBody>
+          <a:bodyPr rtlCol="0" anchor="ctr"/>
           <a:lstStyle/>
           <a:p>
-            <a:r>
-              <a:rPr lang="en-US" dirty="0"/>
-              <a:t>What does this package do? </a:t>
-            </a:r>
-          </a:p>
-        </p:txBody>
-      </p:sp>
+            <a:pPr algn="ctr"/>
+            <a:endParaRPr lang="en-US"/>
+          </a:p>
+        </p:txBody>
+      </p:sp>
+      <p:sp>
+        <p:nvSpPr>
+          <p:cNvPr id="15" name="Rectangle 11">
+            <a:extLst>
+              <a:ext uri="{FF2B5EF4-FFF2-40B4-BE49-F238E27FC236}">
+                <a16:creationId xmlns:a16="http://schemas.microsoft.com/office/drawing/2014/main" id="{1855405F-37A2-4869-9154-F8BE3BECE6C3}"/>
+              </a:ext>
+              <a:ext uri="{C183D7F6-B498-43B3-948B-1728B52AA6E4}">
+                <adec:decorative xmlns:adec="http://schemas.microsoft.com/office/drawing/2017/decorative" val="1"/>
+              </a:ext>
+            </a:extLst>
+          </p:cNvPr>
+          <p:cNvSpPr>
+            <a:spLocks noGrp="1" noRot="1" noChangeAspect="1" noMove="1" noResize="1" noEditPoints="1" noAdjustHandles="1" noChangeArrowheads="1" noChangeShapeType="1" noTextEdit="1"/>
+          </p:cNvSpPr>
+          <p:nvPr>
+            <p:extLst>
+              <p:ext uri="{386F3935-93C4-4BCD-93E2-E3B085C9AB24}">
+                <p16:designElem xmlns:p16="http://schemas.microsoft.com/office/powerpoint/2015/main" val="1"/>
+              </p:ext>
+            </p:extLst>
+          </p:nvPr>
+        </p:nvSpPr>
+        <p:spPr>
+          <a:xfrm>
+            <a:off x="477012" y="480060"/>
+            <a:ext cx="11237976" cy="5897880"/>
+          </a:xfrm>
+          <a:prstGeom prst="rect">
+            <a:avLst/>
+          </a:prstGeom>
+          <a:solidFill>
+            <a:srgbClr val="FFFFFF"/>
+          </a:solidFill>
+          <a:ln w="9525">
+            <a:noFill/>
+          </a:ln>
+          <a:effectLst>
+            <a:outerShdw blurRad="63500" dist="17780" dir="5400000" algn="t" rotWithShape="0">
+              <a:prstClr val="black">
+                <a:alpha val="43000"/>
+              </a:prstClr>
+            </a:outerShdw>
+          </a:effectLst>
+        </p:spPr>
+        <p:style>
+          <a:lnRef idx="2">
+            <a:schemeClr val="accent1">
+              <a:shade val="50000"/>
+            </a:schemeClr>
+          </a:lnRef>
+          <a:fillRef idx="1">
+            <a:schemeClr val="accent1"/>
+          </a:fillRef>
+          <a:effectRef idx="0">
+            <a:schemeClr val="accent1"/>
+          </a:effectRef>
+          <a:fontRef idx="minor">
+            <a:schemeClr val="lt1"/>
+          </a:fontRef>
+        </p:style>
+        <p:txBody>
+          <a:bodyPr rtlCol="0" anchor="ctr"/>
+          <a:lstStyle/>
+          <a:p>
+            <a:pPr algn="ctr"/>
+            <a:endParaRPr lang="en-US"/>
+          </a:p>
+        </p:txBody>
+      </p:sp>
+      <p:pic>
+        <p:nvPicPr>
+          <p:cNvPr id="5" name="Picture 4">
+            <a:extLst>
+              <a:ext uri="{FF2B5EF4-FFF2-40B4-BE49-F238E27FC236}">
+                <a16:creationId xmlns:a16="http://schemas.microsoft.com/office/drawing/2014/main" id="{EDBA114E-9A9C-434F-B53F-65FF73C5AC40}"/>
+              </a:ext>
+            </a:extLst>
+          </p:cNvPr>
+          <p:cNvPicPr>
+            <a:picLocks noChangeAspect="1"/>
+          </p:cNvPicPr>
+          <p:nvPr/>
+        </p:nvPicPr>
+        <p:blipFill>
+          <a:blip r:embed="rId2"/>
+          <a:stretch>
+            <a:fillRect/>
+          </a:stretch>
+        </p:blipFill>
+        <p:spPr>
+          <a:xfrm>
+            <a:off x="739207" y="643467"/>
+            <a:ext cx="10713586" cy="5571066"/>
+          </a:xfrm>
+          <a:prstGeom prst="rect">
+            <a:avLst/>
+          </a:prstGeom>
+        </p:spPr>
+      </p:pic>
       <p:sp>
         <p:nvSpPr>
           <p:cNvPr id="4" name="Slide Number Placeholder 3">
             <a:extLst>
               <a:ext uri="{FF2B5EF4-FFF2-40B4-BE49-F238E27FC236}">
-                <a16:creationId xmlns:a16="http://schemas.microsoft.com/office/drawing/2014/main" id="{ACF062A1-F1DE-46B3-B16F-0C233C689F28}"/>
-              </a:ext>
-            </a:extLst>
-          </p:cNvPr>
-          <p:cNvSpPr>
-            <a:spLocks noGrp="1"/>
-          </p:cNvSpPr>
-          <p:nvPr>
-            <p:ph type="sldNum" sz="quarter" idx="33"/>
-          </p:nvPr>
-        </p:nvSpPr>
-        <p:spPr/>
-        <p:txBody>
-          <a:bodyPr/>
+                <a16:creationId xmlns:a16="http://schemas.microsoft.com/office/drawing/2014/main" id="{274D29D0-2F9E-4C04-8CFD-D9D36F3264CB}"/>
+              </a:ext>
+            </a:extLst>
+          </p:cNvPr>
+          <p:cNvSpPr>
+            <a:spLocks noGrp="1"/>
+          </p:cNvSpPr>
+          <p:nvPr>
+            <p:ph type="sldNum" sz="quarter" idx="13"/>
+          </p:nvPr>
+        </p:nvSpPr>
+        <p:spPr>
+          <a:xfrm>
+            <a:off x="8610600" y="6356350"/>
+            <a:ext cx="2743200" cy="365125"/>
+          </a:xfrm>
+        </p:spPr>
+        <p:txBody>
+          <a:bodyPr>
+            <a:normAutofit/>
+          </a:bodyPr>
           <a:lstStyle/>
           <a:p>
+            <a:pPr>
+              <a:spcAft>
+                <a:spcPts val="600"/>
+              </a:spcAft>
+            </a:pPr>
             <a:fld id="{19B51A1E-902D-48AF-9020-955120F399B6}" type="slidenum">
               <a:rPr lang="en-ZA" smtClean="0"/>
-              <a:pPr/>
+              <a:pPr>
+                <a:spcAft>
+                  <a:spcPts val="600"/>
+                </a:spcAft>
+              </a:pPr>
               <a:t>2</a:t>
             </a:fld>
-            <a:endParaRPr lang="en-ZA" dirty="0"/>
-          </a:p>
-        </p:txBody>
-      </p:sp>
-      <p:sp>
-        <p:nvSpPr>
-          <p:cNvPr id="9" name="Content Placeholder 8">
-            <a:extLst>
-              <a:ext uri="{FF2B5EF4-FFF2-40B4-BE49-F238E27FC236}">
-                <a16:creationId xmlns:a16="http://schemas.microsoft.com/office/drawing/2014/main" id="{DE3B61D8-6F2A-44E9-9104-EEC12855DC02}"/>
-              </a:ext>
-            </a:extLst>
-          </p:cNvPr>
-          <p:cNvSpPr>
-            <a:spLocks noGrp="1"/>
-          </p:cNvSpPr>
-          <p:nvPr>
-            <p:ph idx="1"/>
-          </p:nvPr>
-        </p:nvSpPr>
-        <p:spPr/>
-        <p:txBody>
-          <a:bodyPr/>
-          <a:lstStyle/>
-          <a:p>
-            <a:pPr marL="285750" indent="-285750"/>
-            <a:r>
-              <a:rPr lang="en-US" sz="2400" dirty="0"/>
-              <a:t>Uses energy flux as a way of characterizing ecological processes driven by trophic interactions </a:t>
-            </a:r>
-          </a:p>
-          <a:p>
-            <a:pPr marL="285750" indent="-285750"/>
-            <a:endParaRPr lang="en-US" sz="2400" dirty="0"/>
-          </a:p>
-          <a:p>
-            <a:pPr marL="285750" indent="-285750"/>
-            <a:r>
-              <a:rPr lang="en-US" sz="2400" dirty="0"/>
-              <a:t>Previous ‘food web energetics’ approaches manually calculate the fluxes which becomes exceedingly unmanageable </a:t>
-            </a:r>
-          </a:p>
-          <a:p>
-            <a:pPr marL="285750" indent="-285750"/>
-            <a:endParaRPr lang="en-US" sz="2400" dirty="0"/>
-          </a:p>
-          <a:p>
-            <a:pPr marL="285750" indent="-285750"/>
-            <a:r>
-              <a:rPr lang="en-US" sz="2400" dirty="0"/>
-              <a:t>Underlying model </a:t>
-            </a:r>
-          </a:p>
-          <a:p>
-            <a:pPr marL="561975" lvl="1" indent="-285750"/>
-            <a:r>
-              <a:rPr lang="en-US" sz="2200" dirty="0"/>
-              <a:t>Assumes a steady state </a:t>
-            </a:r>
-          </a:p>
-          <a:p>
-            <a:pPr marL="561975" lvl="1" indent="-285750"/>
-            <a:r>
-              <a:rPr lang="en-US" sz="2200" dirty="0"/>
-              <a:t>Sum ingoing fluxes </a:t>
-            </a:r>
-          </a:p>
-          <a:p>
-            <a:pPr marL="561975" lvl="1" indent="-285750"/>
-            <a:r>
-              <a:rPr lang="en-US" sz="2200" dirty="0"/>
-              <a:t>then individual fluxes for each pair-wise predator-prey interaction are calculated </a:t>
-            </a:r>
-          </a:p>
-          <a:p>
-            <a:pPr marL="561975" lvl="1" indent="-285750"/>
-            <a:r>
-              <a:rPr lang="en-US" sz="2200" dirty="0"/>
-              <a:t>Depends on assimilation efficiencies </a:t>
-            </a:r>
+            <a:endParaRPr lang="en-ZA"/>
           </a:p>
         </p:txBody>
       </p:sp>
     </p:spTree>
     <p:extLst>
       <p:ext uri="{BB962C8B-B14F-4D97-AF65-F5344CB8AC3E}">
-        <p14:creationId xmlns:p14="http://schemas.microsoft.com/office/powerpoint/2010/main" val="932326647"/>
+        <p14:creationId xmlns:p14="http://schemas.microsoft.com/office/powerpoint/2010/main" val="1553505517"/>
       </p:ext>
     </p:extLst>
   </p:cSld>
@@ -8223,7 +8423,7 @@
           <p:cNvPr id="2" name="Title 1">
             <a:extLst>
               <a:ext uri="{FF2B5EF4-FFF2-40B4-BE49-F238E27FC236}">
-                <a16:creationId xmlns:a16="http://schemas.microsoft.com/office/drawing/2014/main" id="{201FC3FA-B702-44E7-A241-1CB0111FFB6B}"/>
+                <a16:creationId xmlns:a16="http://schemas.microsoft.com/office/drawing/2014/main" id="{7BA8DA96-2734-4C7C-97E8-95A3B345A151}"/>
               </a:ext>
             </a:extLst>
           </p:cNvPr>
@@ -8241,7 +8441,7 @@
           <a:p>
             <a:r>
               <a:rPr lang="en-US" dirty="0"/>
-              <a:t>Parameters </a:t>
+              <a:t>What Does this package do? </a:t>
             </a:r>
           </a:p>
         </p:txBody>
@@ -8251,7 +8451,7 @@
           <p:cNvPr id="3" name="Slide Number Placeholder 2">
             <a:extLst>
               <a:ext uri="{FF2B5EF4-FFF2-40B4-BE49-F238E27FC236}">
-                <a16:creationId xmlns:a16="http://schemas.microsoft.com/office/drawing/2014/main" id="{8058F5C2-7838-49C6-A14B-CF63B3CF37AE}"/>
+                <a16:creationId xmlns:a16="http://schemas.microsoft.com/office/drawing/2014/main" id="{E284C52A-3FB8-46C8-BD44-0E026D094BD9}"/>
               </a:ext>
             </a:extLst>
           </p:cNvPr>
@@ -8281,7 +8481,7 @@
           <p:cNvPr id="4" name="Content Placeholder 3">
             <a:extLst>
               <a:ext uri="{FF2B5EF4-FFF2-40B4-BE49-F238E27FC236}">
-                <a16:creationId xmlns:a16="http://schemas.microsoft.com/office/drawing/2014/main" id="{BA1E117C-C8BE-4297-BF98-1B0E4EDE71FB}"/>
+                <a16:creationId xmlns:a16="http://schemas.microsoft.com/office/drawing/2014/main" id="{49ABFD10-CC4B-4962-AF08-5952992B4E98}"/>
               </a:ext>
             </a:extLst>
           </p:cNvPr>
@@ -8297,121 +8497,99 @@
           <a:bodyPr/>
           <a:lstStyle/>
           <a:p>
+            <a:pPr marL="285750" indent="-285750"/>
             <a:r>
               <a:rPr lang="en-US" sz="2400" dirty="0"/>
-              <a:t>Food web </a:t>
-            </a:r>
-          </a:p>
-          <a:p>
-            <a:pPr lvl="1"/>
+              <a:t>Estimate energy flux in the food web (food web ‘energetics’) </a:t>
+            </a:r>
+          </a:p>
+          <a:p>
+            <a:pPr marL="561975" lvl="1" indent="-285750"/>
             <a:r>
               <a:rPr lang="en-US" sz="2200" dirty="0"/>
-              <a:t>Matrix </a:t>
-            </a:r>
-          </a:p>
-          <a:p>
-            <a:pPr lvl="1"/>
-            <a:r>
-              <a:rPr lang="en-US" sz="2200" dirty="0"/>
-              <a:t>non-zero value at the intersection of line i and column j </a:t>
-            </a:r>
+              <a:t>e.g. how much of the energy in the food web is coming from detritivory?</a:t>
+            </a:r>
+            <a:r>
+              <a:rPr lang="en-US" sz="2400" dirty="0"/>
+              <a:t> </a:t>
+            </a:r>
+          </a:p>
+          <a:p>
+            <a:pPr marL="561975" lvl="1" indent="-285750"/>
             <a:endParaRPr lang="en-US" sz="2400" dirty="0"/>
           </a:p>
           <a:p>
+            <a:pPr marL="285750" indent="-285750"/>
+            <a:r>
+              <a:rPr lang="en-US" sz="2600" dirty="0"/>
+              <a:t>Underlying model </a:t>
+            </a:r>
+          </a:p>
+          <a:p>
+            <a:pPr marL="561975" lvl="1" indent="-285750"/>
             <a:r>
               <a:rPr lang="en-US" sz="2400" dirty="0"/>
-              <a:t>Physiological losses </a:t>
-            </a:r>
-          </a:p>
-          <a:p>
-            <a:pPr lvl="1"/>
-            <a:r>
-              <a:rPr lang="en-US" sz="2000" b="1" dirty="0"/>
-              <a:t>Metabolic rates (Brown et al. 2004) </a:t>
-            </a:r>
-          </a:p>
-          <a:p>
-            <a:pPr lvl="2"/>
-            <a:r>
-              <a:rPr lang="en-US" sz="1800" b="1" dirty="0"/>
-              <a:t>Body masses </a:t>
-            </a:r>
-          </a:p>
-          <a:p>
-            <a:pPr lvl="1"/>
-            <a:r>
-              <a:rPr lang="en-US" sz="2000" dirty="0"/>
-              <a:t>Death rates (</a:t>
-            </a:r>
-            <a:r>
-              <a:rPr lang="en-US" sz="2000" dirty="0" err="1"/>
-              <a:t>Rossetto</a:t>
-            </a:r>
-            <a:r>
-              <a:rPr lang="en-US" sz="2000" dirty="0"/>
-              <a:t> et al. 2012) </a:t>
-            </a:r>
-          </a:p>
-          <a:p>
-            <a:pPr lvl="1"/>
-            <a:r>
-              <a:rPr lang="en-US" sz="2000" dirty="0"/>
-              <a:t>More complex allometric functions (Carbone et al. 2007) </a:t>
-            </a:r>
-            <a:endParaRPr lang="en-US" sz="2200" dirty="0"/>
+              <a:t>steady state, sum fluxes, assess pattern of fluxes </a:t>
+            </a:r>
+          </a:p>
+          <a:p>
+            <a:pPr marL="561975" lvl="1" indent="-285750"/>
+            <a:endParaRPr lang="en-US" sz="2400" dirty="0"/>
           </a:p>
           <a:p>
             <a:r>
               <a:rPr lang="en-US" sz="2400" dirty="0"/>
-              <a:t>Efficiencies </a:t>
-            </a:r>
-          </a:p>
-          <a:p>
-            <a:pPr lvl="1"/>
-            <a:r>
-              <a:rPr lang="en-US" sz="2000" dirty="0"/>
-              <a:t>Assimilation efficiency </a:t>
-            </a:r>
-          </a:p>
-          <a:p>
-            <a:pPr lvl="2"/>
-            <a:r>
-              <a:rPr lang="en-US" sz="1800" dirty="0"/>
-              <a:t>proportion of consumed energy that is assimilated for respiration and biomass production </a:t>
-            </a:r>
-          </a:p>
-          <a:p>
-            <a:pPr lvl="2"/>
-            <a:r>
-              <a:rPr lang="en-US" sz="1800" dirty="0" err="1"/>
-              <a:t>pred</a:t>
-            </a:r>
-            <a:r>
-              <a:rPr lang="en-US" sz="1800" dirty="0"/>
-              <a:t>, prey, </a:t>
-            </a:r>
-            <a:r>
-              <a:rPr lang="en-US" sz="1800" dirty="0" err="1"/>
-              <a:t>link.specific</a:t>
-            </a:r>
-            <a:r>
-              <a:rPr lang="en-US" sz="1800" dirty="0"/>
-              <a:t> </a:t>
-            </a:r>
-            <a:endParaRPr lang="en-US" sz="2200" dirty="0"/>
-          </a:p>
-          <a:p>
-            <a:r>
-              <a:rPr lang="en-US" sz="2400" dirty="0"/>
-              <a:t>Biomasses </a:t>
-            </a:r>
-          </a:p>
-        </p:txBody>
-      </p:sp>
+              <a:t>Estimate community stability </a:t>
+            </a:r>
+          </a:p>
+          <a:p>
+            <a:endParaRPr lang="en-US" sz="2400" dirty="0"/>
+          </a:p>
+          <a:p>
+            <a:endParaRPr lang="en-US" sz="2400" dirty="0"/>
+          </a:p>
+          <a:p>
+            <a:endParaRPr lang="en-US" sz="2400" dirty="0"/>
+          </a:p>
+          <a:p>
+            <a:endParaRPr lang="en-US" dirty="0"/>
+          </a:p>
+        </p:txBody>
+      </p:sp>
+      <p:pic>
+        <p:nvPicPr>
+          <p:cNvPr id="6" name="Picture 5" descr="A close up of a device&#10;&#10;Description automatically generated">
+            <a:extLst>
+              <a:ext uri="{FF2B5EF4-FFF2-40B4-BE49-F238E27FC236}">
+                <a16:creationId xmlns:a16="http://schemas.microsoft.com/office/drawing/2014/main" id="{6519A0A3-504F-4987-8F56-BF619987618C}"/>
+              </a:ext>
+            </a:extLst>
+          </p:cNvPr>
+          <p:cNvPicPr>
+            <a:picLocks noChangeAspect="1"/>
+          </p:cNvPicPr>
+          <p:nvPr/>
+        </p:nvPicPr>
+        <p:blipFill>
+          <a:blip r:embed="rId3"/>
+          <a:stretch>
+            <a:fillRect/>
+          </a:stretch>
+        </p:blipFill>
+        <p:spPr>
+          <a:xfrm>
+            <a:off x="2562000" y="3996703"/>
+            <a:ext cx="4826151" cy="2770809"/>
+          </a:xfrm>
+          <a:prstGeom prst="rect">
+            <a:avLst/>
+          </a:prstGeom>
+        </p:spPr>
+      </p:pic>
     </p:spTree>
     <p:extLst>
       <p:ext uri="{BB962C8B-B14F-4D97-AF65-F5344CB8AC3E}">
-        <p14:creationId xmlns:p14="http://schemas.microsoft.com/office/powerpoint/2010/main" val="1764988914"/>
+        <p14:creationId xmlns:p14="http://schemas.microsoft.com/office/powerpoint/2010/main" val="3826594991"/>
       </p:ext>
     </p:extLst>
   </p:cSld>
@@ -8440,18 +8618,51 @@
       </p:grpSpPr>
       <p:sp>
         <p:nvSpPr>
-          <p:cNvPr id="3" name="Slide Number Placeholder 2">
-            <a:extLst>
-              <a:ext uri="{FF2B5EF4-FFF2-40B4-BE49-F238E27FC236}">
-                <a16:creationId xmlns:a16="http://schemas.microsoft.com/office/drawing/2014/main" id="{69D7C960-C94A-4F93-8346-32AF6D068B73}"/>
-              </a:ext>
-            </a:extLst>
-          </p:cNvPr>
-          <p:cNvSpPr>
-            <a:spLocks noGrp="1"/>
-          </p:cNvSpPr>
-          <p:nvPr>
-            <p:ph type="sldNum" sz="quarter" idx="13"/>
+          <p:cNvPr id="8" name="Title 7">
+            <a:extLst>
+              <a:ext uri="{FF2B5EF4-FFF2-40B4-BE49-F238E27FC236}">
+                <a16:creationId xmlns:a16="http://schemas.microsoft.com/office/drawing/2014/main" id="{9CDF873C-D91B-46D4-A311-AD41D968C4AF}"/>
+              </a:ext>
+            </a:extLst>
+          </p:cNvPr>
+          <p:cNvSpPr>
+            <a:spLocks noGrp="1"/>
+          </p:cNvSpPr>
+          <p:nvPr>
+            <p:ph type="title"/>
+          </p:nvPr>
+        </p:nvSpPr>
+        <p:spPr>
+          <a:xfrm>
+            <a:off x="432000" y="432000"/>
+            <a:ext cx="9198000" cy="432000"/>
+          </a:xfrm>
+        </p:spPr>
+        <p:txBody>
+          <a:bodyPr/>
+          <a:lstStyle/>
+          <a:p>
+            <a:r>
+              <a:rPr lang="en-US" dirty="0"/>
+              <a:t>Why is it useful? </a:t>
+            </a:r>
+          </a:p>
+        </p:txBody>
+      </p:sp>
+      <p:sp>
+        <p:nvSpPr>
+          <p:cNvPr id="4" name="Slide Number Placeholder 3">
+            <a:extLst>
+              <a:ext uri="{FF2B5EF4-FFF2-40B4-BE49-F238E27FC236}">
+                <a16:creationId xmlns:a16="http://schemas.microsoft.com/office/drawing/2014/main" id="{ACF062A1-F1DE-46B3-B16F-0C233C689F28}"/>
+              </a:ext>
+            </a:extLst>
+          </p:cNvPr>
+          <p:cNvSpPr>
+            <a:spLocks noGrp="1"/>
+          </p:cNvSpPr>
+          <p:nvPr>
+            <p:ph type="sldNum" sz="quarter" idx="33"/>
           </p:nvPr>
         </p:nvSpPr>
         <p:spPr>
@@ -8473,12 +8684,101 @@
           </a:p>
         </p:txBody>
       </p:sp>
+      <p:sp>
+        <p:nvSpPr>
+          <p:cNvPr id="9" name="Content Placeholder 8">
+            <a:extLst>
+              <a:ext uri="{FF2B5EF4-FFF2-40B4-BE49-F238E27FC236}">
+                <a16:creationId xmlns:a16="http://schemas.microsoft.com/office/drawing/2014/main" id="{DE3B61D8-6F2A-44E9-9104-EEC12855DC02}"/>
+              </a:ext>
+            </a:extLst>
+          </p:cNvPr>
+          <p:cNvSpPr>
+            <a:spLocks noGrp="1"/>
+          </p:cNvSpPr>
+          <p:nvPr>
+            <p:ph idx="1"/>
+          </p:nvPr>
+        </p:nvSpPr>
+        <p:spPr>
+          <a:xfrm>
+            <a:off x="432000" y="1046375"/>
+            <a:ext cx="9198000" cy="5130588"/>
+          </a:xfrm>
+        </p:spPr>
+        <p:txBody>
+          <a:bodyPr/>
+          <a:lstStyle/>
+          <a:p>
+            <a:r>
+              <a:rPr lang="en-US" sz="2400" dirty="0"/>
+              <a:t>Previous ‘food web energetics’ approaches become quickly become mathematically intensive </a:t>
+            </a:r>
+          </a:p>
+          <a:p>
+            <a:pPr marL="561975" lvl="1" indent="-285750"/>
+            <a:r>
+              <a:rPr lang="en-US" sz="2200" dirty="0"/>
+              <a:t>Partial derivative of a </a:t>
+            </a:r>
+            <a:r>
+              <a:rPr lang="en-US" sz="2200" dirty="0" err="1"/>
+              <a:t>Lotka</a:t>
+            </a:r>
+            <a:r>
+              <a:rPr lang="en-US" sz="2200" dirty="0"/>
+              <a:t>-Volterra model for each interaction</a:t>
+            </a:r>
+          </a:p>
+          <a:p>
+            <a:pPr marL="561975" lvl="1" indent="-285750"/>
+            <a:r>
+              <a:rPr lang="en-US" sz="2200" dirty="0"/>
+              <a:t>Lots and lots of matrix math </a:t>
+            </a:r>
+          </a:p>
+          <a:p>
+            <a:pPr marL="0" indent="0">
+              <a:buNone/>
+            </a:pPr>
+            <a:endParaRPr lang="en-US" sz="2400" dirty="0"/>
+          </a:p>
+          <a:p>
+            <a:pPr marL="0" indent="0">
+              <a:buNone/>
+            </a:pPr>
+            <a:endParaRPr lang="en-US" sz="2400" dirty="0"/>
+          </a:p>
+          <a:p>
+            <a:pPr marL="0" indent="0">
+              <a:buNone/>
+            </a:pPr>
+            <a:endParaRPr lang="en-US" sz="2400" dirty="0"/>
+          </a:p>
+          <a:p>
+            <a:pPr marL="0" indent="0">
+              <a:buNone/>
+            </a:pPr>
+            <a:endParaRPr lang="en-US" sz="2400" dirty="0"/>
+          </a:p>
+          <a:p>
+            <a:pPr marL="0" indent="0">
+              <a:buNone/>
+            </a:pPr>
+            <a:endParaRPr lang="en-US" sz="2400" dirty="0"/>
+          </a:p>
+          <a:p>
+            <a:pPr marL="828675" lvl="2" indent="-285750"/>
+            <a:endParaRPr lang="en-US" sz="2000" dirty="0"/>
+          </a:p>
+        </p:txBody>
+      </p:sp>
       <p:pic>
         <p:nvPicPr>
-          <p:cNvPr id="8" name="Picture 7">
-            <a:extLst>
-              <a:ext uri="{FF2B5EF4-FFF2-40B4-BE49-F238E27FC236}">
-                <a16:creationId xmlns:a16="http://schemas.microsoft.com/office/drawing/2014/main" id="{EE17F09D-71EB-4453-A35B-4D2DF1C62A98}"/>
+          <p:cNvPr id="3" name="Picture 2">
+            <a:extLst>
+              <a:ext uri="{FF2B5EF4-FFF2-40B4-BE49-F238E27FC236}">
+                <a16:creationId xmlns:a16="http://schemas.microsoft.com/office/drawing/2014/main" id="{4817E4A3-55CE-4A2E-A54D-08F5EAEA8C72}"/>
               </a:ext>
             </a:extLst>
           </p:cNvPr>
@@ -8495,8 +8795,8 @@
         </p:blipFill>
         <p:spPr>
           <a:xfrm>
-            <a:off x="296662" y="536768"/>
-            <a:ext cx="9149177" cy="5654120"/>
+            <a:off x="2156123" y="2935484"/>
+            <a:ext cx="5749754" cy="3827874"/>
           </a:xfrm>
           <a:prstGeom prst="rect">
             <a:avLst/>
@@ -8506,7 +8806,7 @@
     </p:spTree>
     <p:extLst>
       <p:ext uri="{BB962C8B-B14F-4D97-AF65-F5344CB8AC3E}">
-        <p14:creationId xmlns:p14="http://schemas.microsoft.com/office/powerpoint/2010/main" val="4186203533"/>
+        <p14:creationId xmlns:p14="http://schemas.microsoft.com/office/powerpoint/2010/main" val="932326647"/>
       </p:ext>
     </p:extLst>
   </p:cSld>
@@ -8535,26 +8835,49 @@
       </p:grpSpPr>
       <p:sp>
         <p:nvSpPr>
-          <p:cNvPr id="2" name="Slide Number Placeholder 1">
-            <a:extLst>
-              <a:ext uri="{FF2B5EF4-FFF2-40B4-BE49-F238E27FC236}">
-                <a16:creationId xmlns:a16="http://schemas.microsoft.com/office/drawing/2014/main" id="{099068BF-93A8-4969-8F3B-225C24B57E3C}"/>
-              </a:ext>
-            </a:extLst>
-          </p:cNvPr>
-          <p:cNvSpPr>
-            <a:spLocks noGrp="1"/>
-          </p:cNvSpPr>
-          <p:nvPr>
-            <p:ph type="sldNum" sz="quarter" idx="13"/>
-          </p:nvPr>
-        </p:nvSpPr>
-        <p:spPr>
-          <a:xfrm>
-            <a:off x="11447502" y="6401750"/>
-            <a:ext cx="278418" cy="274324"/>
-          </a:xfrm>
-        </p:spPr>
+          <p:cNvPr id="2" name="Title 1">
+            <a:extLst>
+              <a:ext uri="{FF2B5EF4-FFF2-40B4-BE49-F238E27FC236}">
+                <a16:creationId xmlns:a16="http://schemas.microsoft.com/office/drawing/2014/main" id="{201FC3FA-B702-44E7-A241-1CB0111FFB6B}"/>
+              </a:ext>
+            </a:extLst>
+          </p:cNvPr>
+          <p:cNvSpPr>
+            <a:spLocks noGrp="1"/>
+          </p:cNvSpPr>
+          <p:nvPr>
+            <p:ph type="title"/>
+          </p:nvPr>
+        </p:nvSpPr>
+        <p:spPr/>
+        <p:txBody>
+          <a:bodyPr/>
+          <a:lstStyle/>
+          <a:p>
+            <a:r>
+              <a:rPr lang="en-US" dirty="0"/>
+              <a:t>What do you need?  </a:t>
+            </a:r>
+          </a:p>
+        </p:txBody>
+      </p:sp>
+      <p:sp>
+        <p:nvSpPr>
+          <p:cNvPr id="3" name="Slide Number Placeholder 2">
+            <a:extLst>
+              <a:ext uri="{FF2B5EF4-FFF2-40B4-BE49-F238E27FC236}">
+                <a16:creationId xmlns:a16="http://schemas.microsoft.com/office/drawing/2014/main" id="{8058F5C2-7838-49C6-A14B-CF63B3CF37AE}"/>
+              </a:ext>
+            </a:extLst>
+          </p:cNvPr>
+          <p:cNvSpPr>
+            <a:spLocks noGrp="1"/>
+          </p:cNvSpPr>
+          <p:nvPr>
+            <p:ph type="sldNum" sz="quarter" idx="33"/>
+          </p:nvPr>
+        </p:nvSpPr>
+        <p:spPr/>
         <p:txBody>
           <a:bodyPr/>
           <a:lstStyle/>
@@ -8568,12 +8891,191 @@
           </a:p>
         </p:txBody>
       </p:sp>
+      <p:sp>
+        <p:nvSpPr>
+          <p:cNvPr id="4" name="Content Placeholder 3">
+            <a:extLst>
+              <a:ext uri="{FF2B5EF4-FFF2-40B4-BE49-F238E27FC236}">
+                <a16:creationId xmlns:a16="http://schemas.microsoft.com/office/drawing/2014/main" id="{BA1E117C-C8BE-4297-BF98-1B0E4EDE71FB}"/>
+              </a:ext>
+            </a:extLst>
+          </p:cNvPr>
+          <p:cNvSpPr>
+            <a:spLocks noGrp="1"/>
+          </p:cNvSpPr>
+          <p:nvPr>
+            <p:ph sz="half" idx="1"/>
+          </p:nvPr>
+        </p:nvSpPr>
+        <p:spPr/>
+        <p:txBody>
+          <a:bodyPr/>
+          <a:lstStyle/>
+          <a:p>
+            <a:r>
+              <a:rPr lang="en-US" sz="2800" dirty="0"/>
+              <a:t>Food web </a:t>
+            </a:r>
+          </a:p>
+          <a:p>
+            <a:pPr lvl="1"/>
+            <a:r>
+              <a:rPr lang="en-US" sz="2400" dirty="0"/>
+              <a:t>Matrix </a:t>
+            </a:r>
+          </a:p>
+          <a:p>
+            <a:pPr lvl="1"/>
+            <a:r>
+              <a:rPr lang="en-US" sz="2400" dirty="0"/>
+              <a:t>Value at the intersection of line i and column j </a:t>
+            </a:r>
+          </a:p>
+          <a:p>
+            <a:pPr marL="266700" lvl="1" indent="0">
+              <a:buNone/>
+            </a:pPr>
+            <a:endParaRPr lang="en-US" sz="2400" dirty="0"/>
+          </a:p>
+          <a:p>
+            <a:pPr marL="266700" lvl="1" indent="0">
+              <a:buNone/>
+            </a:pPr>
+            <a:endParaRPr lang="en-US" sz="2400" dirty="0"/>
+          </a:p>
+          <a:p>
+            <a:r>
+              <a:rPr lang="en-US" sz="2800" dirty="0"/>
+              <a:t>Physiological losses </a:t>
+            </a:r>
+          </a:p>
+          <a:p>
+            <a:pPr lvl="1"/>
+            <a:r>
+              <a:rPr lang="en-US" sz="2400" dirty="0"/>
+              <a:t>Metabolic</a:t>
+            </a:r>
+            <a:r>
+              <a:rPr lang="en-US" sz="2400" b="1" dirty="0"/>
+              <a:t> </a:t>
+            </a:r>
+            <a:r>
+              <a:rPr lang="en-US" sz="2400" dirty="0"/>
+              <a:t>rates (Brown et al. 2004) </a:t>
+            </a:r>
+          </a:p>
+          <a:p>
+            <a:pPr lvl="2"/>
+            <a:r>
+              <a:rPr lang="en-US" sz="2400" dirty="0"/>
+              <a:t>Body masses </a:t>
+            </a:r>
+          </a:p>
+          <a:p>
+            <a:pPr lvl="1"/>
+            <a:r>
+              <a:rPr lang="en-US" sz="2400" dirty="0"/>
+              <a:t>Death rates (</a:t>
+            </a:r>
+            <a:r>
+              <a:rPr lang="en-US" sz="2400" dirty="0" err="1"/>
+              <a:t>Rossetto</a:t>
+            </a:r>
+            <a:r>
+              <a:rPr lang="en-US" sz="2400" dirty="0"/>
+              <a:t> et al. 2012) </a:t>
+            </a:r>
+          </a:p>
+          <a:p>
+            <a:pPr lvl="1"/>
+            <a:r>
+              <a:rPr lang="en-US" sz="2400" dirty="0"/>
+              <a:t>More complex allometric functions (Carbone et al. 2007) </a:t>
+            </a:r>
+          </a:p>
+          <a:p>
+            <a:pPr marL="266700" lvl="1" indent="0">
+              <a:buNone/>
+            </a:pPr>
+            <a:endParaRPr lang="en-US" sz="2200" dirty="0"/>
+          </a:p>
+        </p:txBody>
+      </p:sp>
+      <p:sp>
+        <p:nvSpPr>
+          <p:cNvPr id="5" name="Content Placeholder 4">
+            <a:extLst>
+              <a:ext uri="{FF2B5EF4-FFF2-40B4-BE49-F238E27FC236}">
+                <a16:creationId xmlns:a16="http://schemas.microsoft.com/office/drawing/2014/main" id="{925D3684-52E7-4DBD-BF73-14939F9B4A41}"/>
+              </a:ext>
+            </a:extLst>
+          </p:cNvPr>
+          <p:cNvSpPr>
+            <a:spLocks noGrp="1"/>
+          </p:cNvSpPr>
+          <p:nvPr>
+            <p:ph sz="half" idx="2"/>
+          </p:nvPr>
+        </p:nvSpPr>
+        <p:spPr/>
+        <p:txBody>
+          <a:bodyPr/>
+          <a:lstStyle/>
+          <a:p>
+            <a:r>
+              <a:rPr lang="en-US" sz="2800" dirty="0"/>
+              <a:t>Efficiencies </a:t>
+            </a:r>
+          </a:p>
+          <a:p>
+            <a:pPr lvl="1"/>
+            <a:r>
+              <a:rPr lang="en-US" sz="2400" dirty="0"/>
+              <a:t>Assimilation efficiency </a:t>
+            </a:r>
+          </a:p>
+          <a:p>
+            <a:pPr lvl="2"/>
+            <a:r>
+              <a:rPr lang="en-US" sz="2400" dirty="0"/>
+              <a:t>proportion of consumed energy that is assimilated for respiration and biomass production </a:t>
+            </a:r>
+            <a:endParaRPr lang="en-US" sz="2200" dirty="0"/>
+          </a:p>
+          <a:p>
+            <a:r>
+              <a:rPr lang="en-US" sz="2800" dirty="0"/>
+              <a:t>Biomass </a:t>
+            </a:r>
+          </a:p>
+          <a:p>
+            <a:pPr lvl="1"/>
+            <a:r>
+              <a:rPr lang="en-US" sz="2400" dirty="0"/>
+              <a:t>Density </a:t>
+            </a:r>
+          </a:p>
+          <a:p>
+            <a:pPr lvl="1"/>
+            <a:r>
+              <a:rPr lang="en-US" sz="2400" dirty="0"/>
+              <a:t>Overall  </a:t>
+            </a:r>
+          </a:p>
+          <a:p>
+            <a:pPr marL="0" indent="0">
+              <a:buNone/>
+            </a:pPr>
+            <a:endParaRPr lang="en-US" dirty="0"/>
+          </a:p>
+        </p:txBody>
+      </p:sp>
       <p:pic>
         <p:nvPicPr>
-          <p:cNvPr id="3" name="Picture 2">
-            <a:extLst>
-              <a:ext uri="{FF2B5EF4-FFF2-40B4-BE49-F238E27FC236}">
-                <a16:creationId xmlns:a16="http://schemas.microsoft.com/office/drawing/2014/main" id="{1C60419E-4606-4AE9-BD17-74DC85B2294E}"/>
+          <p:cNvPr id="6" name="Picture 5">
+            <a:extLst>
+              <a:ext uri="{FF2B5EF4-FFF2-40B4-BE49-F238E27FC236}">
+                <a16:creationId xmlns:a16="http://schemas.microsoft.com/office/drawing/2014/main" id="{DFCD8600-DC4F-4C5D-9E8E-A38D5658A18C}"/>
               </a:ext>
             </a:extLst>
           </p:cNvPr>
@@ -8590,18 +9092,413 @@
         </p:blipFill>
         <p:spPr>
           <a:xfrm>
-            <a:off x="541539" y="863353"/>
-            <a:ext cx="8937604" cy="5131293"/>
+            <a:off x="10260280" y="325409"/>
+            <a:ext cx="1791814" cy="1441933"/>
           </a:xfrm>
           <a:prstGeom prst="rect">
             <a:avLst/>
           </a:prstGeom>
+        </p:spPr>
+      </p:pic>
+      <p:pic>
+        <p:nvPicPr>
+          <p:cNvPr id="7" name="Picture 6">
+            <a:extLst>
+              <a:ext uri="{FF2B5EF4-FFF2-40B4-BE49-F238E27FC236}">
+                <a16:creationId xmlns:a16="http://schemas.microsoft.com/office/drawing/2014/main" id="{CC6193EA-8195-4D6F-8567-5F4108CC41B8}"/>
+              </a:ext>
+            </a:extLst>
+          </p:cNvPr>
+          <p:cNvPicPr>
+            <a:picLocks noChangeAspect="1"/>
+          </p:cNvPicPr>
+          <p:nvPr/>
+        </p:nvPicPr>
+        <p:blipFill>
+          <a:blip r:embed="rId3"/>
+          <a:stretch>
+            <a:fillRect/>
+          </a:stretch>
+        </p:blipFill>
+        <p:spPr>
+          <a:xfrm>
+            <a:off x="10354952" y="1911928"/>
+            <a:ext cx="1600633" cy="999250"/>
+          </a:xfrm>
+          <a:prstGeom prst="rect">
+            <a:avLst/>
+          </a:prstGeom>
+        </p:spPr>
+      </p:pic>
+      <p:pic>
+        <p:nvPicPr>
+          <p:cNvPr id="8" name="Picture 7">
+            <a:extLst>
+              <a:ext uri="{FF2B5EF4-FFF2-40B4-BE49-F238E27FC236}">
+                <a16:creationId xmlns:a16="http://schemas.microsoft.com/office/drawing/2014/main" id="{1D752FA6-A194-4E82-96AF-94BBA02EB4D1}"/>
+              </a:ext>
+            </a:extLst>
+          </p:cNvPr>
+          <p:cNvPicPr>
+            <a:picLocks noChangeAspect="1"/>
+          </p:cNvPicPr>
+          <p:nvPr/>
+        </p:nvPicPr>
+        <p:blipFill>
+          <a:blip r:embed="rId4"/>
+          <a:stretch>
+            <a:fillRect/>
+          </a:stretch>
+        </p:blipFill>
+        <p:spPr>
+          <a:xfrm>
+            <a:off x="10238154" y="3294946"/>
+            <a:ext cx="1834228" cy="1361518"/>
+          </a:xfrm>
+          <a:prstGeom prst="rect">
+            <a:avLst/>
+          </a:prstGeom>
+        </p:spPr>
+      </p:pic>
+      <p:sp>
+        <p:nvSpPr>
+          <p:cNvPr id="9" name="Oval 8">
+            <a:extLst>
+              <a:ext uri="{FF2B5EF4-FFF2-40B4-BE49-F238E27FC236}">
+                <a16:creationId xmlns:a16="http://schemas.microsoft.com/office/drawing/2014/main" id="{7CCC13D7-9052-409D-A71A-4DF05ED01D47}"/>
+              </a:ext>
+            </a:extLst>
+          </p:cNvPr>
+          <p:cNvSpPr/>
+          <p:nvPr/>
+        </p:nvSpPr>
+        <p:spPr>
+          <a:xfrm>
+            <a:off x="10949049" y="3847605"/>
+            <a:ext cx="617517" cy="273133"/>
+          </a:xfrm>
+          <a:prstGeom prst="ellipse">
+            <a:avLst/>
+          </a:prstGeom>
+          <a:noFill/>
+          <a:ln w="38100">
+            <a:solidFill>
+              <a:srgbClr val="FFFF00"/>
+            </a:solidFill>
+          </a:ln>
+        </p:spPr>
+        <p:style>
+          <a:lnRef idx="2">
+            <a:schemeClr val="accent1">
+              <a:shade val="50000"/>
+            </a:schemeClr>
+          </a:lnRef>
+          <a:fillRef idx="1">
+            <a:schemeClr val="accent1"/>
+          </a:fillRef>
+          <a:effectRef idx="0">
+            <a:schemeClr val="accent1"/>
+          </a:effectRef>
+          <a:fontRef idx="minor">
+            <a:schemeClr val="lt1"/>
+          </a:fontRef>
+        </p:style>
+        <p:txBody>
+          <a:bodyPr rtlCol="0" anchor="ctr"/>
+          <a:lstStyle/>
+          <a:p>
+            <a:pPr algn="ctr"/>
+            <a:endParaRPr lang="en-US"/>
+          </a:p>
+        </p:txBody>
+      </p:sp>
+      <p:pic>
+        <p:nvPicPr>
+          <p:cNvPr id="10" name="Picture 9">
+            <a:extLst>
+              <a:ext uri="{FF2B5EF4-FFF2-40B4-BE49-F238E27FC236}">
+                <a16:creationId xmlns:a16="http://schemas.microsoft.com/office/drawing/2014/main" id="{EFDD0F6C-8FB9-4884-9E57-083466EA27DC}"/>
+              </a:ext>
+            </a:extLst>
+          </p:cNvPr>
+          <p:cNvPicPr>
+            <a:picLocks noChangeAspect="1"/>
+          </p:cNvPicPr>
+          <p:nvPr/>
+        </p:nvPicPr>
+        <p:blipFill>
+          <a:blip r:embed="rId5"/>
+          <a:stretch>
+            <a:fillRect/>
+          </a:stretch>
+        </p:blipFill>
+        <p:spPr>
+          <a:xfrm>
+            <a:off x="10354952" y="5040232"/>
+            <a:ext cx="1695305" cy="1130203"/>
+          </a:xfrm>
+          <a:prstGeom prst="rect">
+            <a:avLst/>
+          </a:prstGeom>
+          <a:ln>
+            <a:noFill/>
+          </a:ln>
+          <a:effectLst>
+            <a:softEdge rad="112500"/>
+          </a:effectLst>
         </p:spPr>
       </p:pic>
     </p:spTree>
     <p:extLst>
       <p:ext uri="{BB962C8B-B14F-4D97-AF65-F5344CB8AC3E}">
-        <p14:creationId xmlns:p14="http://schemas.microsoft.com/office/powerpoint/2010/main" val="3626853740"/>
+        <p14:creationId xmlns:p14="http://schemas.microsoft.com/office/powerpoint/2010/main" val="3559847202"/>
+      </p:ext>
+    </p:extLst>
+  </p:cSld>
+  <p:clrMapOvr>
+    <a:masterClrMapping/>
+  </p:clrMapOvr>
+</p:sld>
+</file>
+
+<file path=ppt/slides/slide6.xml><?xml version="1.0" encoding="utf-8"?>
+<p:sld xmlns:a="http://schemas.openxmlformats.org/drawingml/2006/main" xmlns:r="http://schemas.openxmlformats.org/officeDocument/2006/relationships" xmlns:p="http://schemas.openxmlformats.org/presentationml/2006/main">
+  <p:cSld>
+    <p:bg>
+      <p:bgPr>
+        <a:solidFill>
+          <a:schemeClr val="bg1"/>
+        </a:solidFill>
+        <a:effectLst/>
+      </p:bgPr>
+    </p:bg>
+    <p:spTree>
+      <p:nvGrpSpPr>
+        <p:cNvPr id="1" name=""/>
+        <p:cNvGrpSpPr/>
+        <p:nvPr/>
+      </p:nvGrpSpPr>
+      <p:grpSpPr>
+        <a:xfrm>
+          <a:off x="0" y="0"/>
+          <a:ext cx="0" cy="0"/>
+          <a:chOff x="0" y="0"/>
+          <a:chExt cx="0" cy="0"/>
+        </a:xfrm>
+      </p:grpSpPr>
+      <p:sp>
+        <p:nvSpPr>
+          <p:cNvPr id="13" name="Rectangle 12">
+            <a:extLst>
+              <a:ext uri="{FF2B5EF4-FFF2-40B4-BE49-F238E27FC236}">
+                <a16:creationId xmlns:a16="http://schemas.microsoft.com/office/drawing/2014/main" id="{01D0AF59-99C3-4251-AB9A-C966C6AD4400}"/>
+              </a:ext>
+              <a:ext uri="{C183D7F6-B498-43B3-948B-1728B52AA6E4}">
+                <adec:decorative xmlns:adec="http://schemas.microsoft.com/office/drawing/2017/decorative" val="1"/>
+              </a:ext>
+            </a:extLst>
+          </p:cNvPr>
+          <p:cNvSpPr>
+            <a:spLocks noGrp="1" noRot="1" noChangeAspect="1" noMove="1" noResize="1" noEditPoints="1" noAdjustHandles="1" noChangeArrowheads="1" noChangeShapeType="1" noTextEdit="1"/>
+          </p:cNvSpPr>
+          <p:nvPr>
+            <p:extLst>
+              <p:ext uri="{386F3935-93C4-4BCD-93E2-E3B085C9AB24}">
+                <p16:designElem xmlns:p16="http://schemas.microsoft.com/office/powerpoint/2015/main" val="1"/>
+              </p:ext>
+            </p:extLst>
+          </p:nvPr>
+        </p:nvSpPr>
+        <p:spPr>
+          <a:xfrm>
+            <a:off x="0" y="0"/>
+            <a:ext cx="12192000" cy="6858000"/>
+          </a:xfrm>
+          <a:prstGeom prst="rect">
+            <a:avLst/>
+          </a:prstGeom>
+          <a:solidFill>
+            <a:schemeClr val="bg2"/>
+          </a:solidFill>
+          <a:ln>
+            <a:noFill/>
+          </a:ln>
+        </p:spPr>
+        <p:style>
+          <a:lnRef idx="2">
+            <a:schemeClr val="accent1">
+              <a:shade val="50000"/>
+            </a:schemeClr>
+          </a:lnRef>
+          <a:fillRef idx="1">
+            <a:schemeClr val="accent1"/>
+          </a:fillRef>
+          <a:effectRef idx="0">
+            <a:schemeClr val="accent1"/>
+          </a:effectRef>
+          <a:fontRef idx="minor">
+            <a:schemeClr val="lt1"/>
+          </a:fontRef>
+        </p:style>
+        <p:txBody>
+          <a:bodyPr rtlCol="0" anchor="ctr"/>
+          <a:lstStyle/>
+          <a:p>
+            <a:pPr algn="ctr"/>
+            <a:endParaRPr lang="en-US"/>
+          </a:p>
+        </p:txBody>
+      </p:sp>
+      <p:sp>
+        <p:nvSpPr>
+          <p:cNvPr id="15" name="Rectangle 14">
+            <a:extLst>
+              <a:ext uri="{FF2B5EF4-FFF2-40B4-BE49-F238E27FC236}">
+                <a16:creationId xmlns:a16="http://schemas.microsoft.com/office/drawing/2014/main" id="{1855405F-37A2-4869-9154-F8BE3BECE6C3}"/>
+              </a:ext>
+              <a:ext uri="{C183D7F6-B498-43B3-948B-1728B52AA6E4}">
+                <adec:decorative xmlns:adec="http://schemas.microsoft.com/office/drawing/2017/decorative" val="1"/>
+              </a:ext>
+            </a:extLst>
+          </p:cNvPr>
+          <p:cNvSpPr>
+            <a:spLocks noGrp="1" noRot="1" noChangeAspect="1" noMove="1" noResize="1" noEditPoints="1" noAdjustHandles="1" noChangeArrowheads="1" noChangeShapeType="1" noTextEdit="1"/>
+          </p:cNvSpPr>
+          <p:nvPr>
+            <p:extLst>
+              <p:ext uri="{386F3935-93C4-4BCD-93E2-E3B085C9AB24}">
+                <p16:designElem xmlns:p16="http://schemas.microsoft.com/office/powerpoint/2015/main" val="1"/>
+              </p:ext>
+            </p:extLst>
+          </p:nvPr>
+        </p:nvSpPr>
+        <p:spPr>
+          <a:xfrm>
+            <a:off x="477012" y="480060"/>
+            <a:ext cx="11237976" cy="5897880"/>
+          </a:xfrm>
+          <a:prstGeom prst="rect">
+            <a:avLst/>
+          </a:prstGeom>
+          <a:solidFill>
+            <a:srgbClr val="FFFFFF"/>
+          </a:solidFill>
+          <a:ln w="9525">
+            <a:noFill/>
+          </a:ln>
+          <a:effectLst>
+            <a:outerShdw blurRad="63500" dist="17780" dir="5400000" algn="t" rotWithShape="0">
+              <a:prstClr val="black">
+                <a:alpha val="43000"/>
+              </a:prstClr>
+            </a:outerShdw>
+          </a:effectLst>
+        </p:spPr>
+        <p:style>
+          <a:lnRef idx="2">
+            <a:schemeClr val="accent1">
+              <a:shade val="50000"/>
+            </a:schemeClr>
+          </a:lnRef>
+          <a:fillRef idx="1">
+            <a:schemeClr val="accent1"/>
+          </a:fillRef>
+          <a:effectRef idx="0">
+            <a:schemeClr val="accent1"/>
+          </a:effectRef>
+          <a:fontRef idx="minor">
+            <a:schemeClr val="lt1"/>
+          </a:fontRef>
+        </p:style>
+        <p:txBody>
+          <a:bodyPr rtlCol="0" anchor="ctr"/>
+          <a:lstStyle/>
+          <a:p>
+            <a:pPr algn="ctr"/>
+            <a:endParaRPr lang="en-US"/>
+          </a:p>
+        </p:txBody>
+      </p:sp>
+      <p:pic>
+        <p:nvPicPr>
+          <p:cNvPr id="8" name="Picture 7">
+            <a:extLst>
+              <a:ext uri="{FF2B5EF4-FFF2-40B4-BE49-F238E27FC236}">
+                <a16:creationId xmlns:a16="http://schemas.microsoft.com/office/drawing/2014/main" id="{EE17F09D-71EB-4453-A35B-4D2DF1C62A98}"/>
+              </a:ext>
+            </a:extLst>
+          </p:cNvPr>
+          <p:cNvPicPr>
+            <a:picLocks noChangeAspect="1"/>
+          </p:cNvPicPr>
+          <p:nvPr/>
+        </p:nvPicPr>
+        <p:blipFill>
+          <a:blip r:embed="rId2"/>
+          <a:stretch>
+            <a:fillRect/>
+          </a:stretch>
+        </p:blipFill>
+        <p:spPr>
+          <a:xfrm>
+            <a:off x="1585014" y="643467"/>
+            <a:ext cx="9021971" cy="5571066"/>
+          </a:xfrm>
+          <a:prstGeom prst="rect">
+            <a:avLst/>
+          </a:prstGeom>
+        </p:spPr>
+      </p:pic>
+      <p:sp>
+        <p:nvSpPr>
+          <p:cNvPr id="3" name="Slide Number Placeholder 2">
+            <a:extLst>
+              <a:ext uri="{FF2B5EF4-FFF2-40B4-BE49-F238E27FC236}">
+                <a16:creationId xmlns:a16="http://schemas.microsoft.com/office/drawing/2014/main" id="{69D7C960-C94A-4F93-8346-32AF6D068B73}"/>
+              </a:ext>
+            </a:extLst>
+          </p:cNvPr>
+          <p:cNvSpPr>
+            <a:spLocks noGrp="1"/>
+          </p:cNvSpPr>
+          <p:nvPr>
+            <p:ph type="sldNum" sz="quarter" idx="13"/>
+          </p:nvPr>
+        </p:nvSpPr>
+        <p:spPr>
+          <a:xfrm>
+            <a:off x="8610600" y="6356350"/>
+            <a:ext cx="2743200" cy="365125"/>
+          </a:xfrm>
+        </p:spPr>
+        <p:txBody>
+          <a:bodyPr>
+            <a:normAutofit/>
+          </a:bodyPr>
+          <a:lstStyle/>
+          <a:p>
+            <a:pPr>
+              <a:spcAft>
+                <a:spcPts val="600"/>
+              </a:spcAft>
+            </a:pPr>
+            <a:fld id="{19B51A1E-902D-48AF-9020-955120F399B6}" type="slidenum">
+              <a:rPr lang="en-ZA" smtClean="0"/>
+              <a:pPr>
+                <a:spcAft>
+                  <a:spcPts val="600"/>
+                </a:spcAft>
+              </a:pPr>
+              <a:t>6</a:t>
+            </a:fld>
+            <a:endParaRPr lang="en-ZA"/>
+          </a:p>
+        </p:txBody>
+      </p:sp>
+    </p:spTree>
+    <p:extLst>
+      <p:ext uri="{BB962C8B-B14F-4D97-AF65-F5344CB8AC3E}">
+        <p14:creationId xmlns:p14="http://schemas.microsoft.com/office/powerpoint/2010/main" val="4186203533"/>
       </p:ext>
     </p:extLst>
   </p:cSld>
